--- a/CAT Y8 Inv1 Presentation.pptx
+++ b/CAT Y8 Inv1 Presentation.pptx
@@ -144,7 +144,7 @@
 <file path=ppt/revisionInfo.xml><?xml version="1.0" encoding="utf-8"?>
 <p1510:revInfo xmlns:a="http://schemas.openxmlformats.org/drawingml/2006/main" xmlns:r="http://schemas.openxmlformats.org/officeDocument/2006/relationships" xmlns:p1510="http://schemas.microsoft.com/office/powerpoint/2015/10/main">
   <p1510:revLst>
-    <p1510:client id="{8AD726DF-E15A-46ED-ADF7-EC56EC827D64}" v="2038" dt="2024-04-25T12:16:01.438"/>
+    <p1510:client id="{8AD726DF-E15A-46ED-ADF7-EC56EC827D64}" v="2043" dt="2024-04-25T12:17:36.364"/>
   </p1510:revLst>
 </p1510:revInfo>
 </file>
@@ -154,7 +154,7 @@
   <pc:docChgLst>
     <pc:chgData name="CHAN Sean" userId="31c8acd3-9d1d-49d2-815f-ab507deab43b" providerId="ADAL" clId="{8AD726DF-E15A-46ED-ADF7-EC56EC827D64}"/>
     <pc:docChg chg="undo redo custSel addSld delSld modSld sldOrd">
-      <pc:chgData name="CHAN Sean" userId="31c8acd3-9d1d-49d2-815f-ab507deab43b" providerId="ADAL" clId="{8AD726DF-E15A-46ED-ADF7-EC56EC827D64}" dt="2024-04-25T12:16:01.437" v="9230" actId="164"/>
+      <pc:chgData name="CHAN Sean" userId="31c8acd3-9d1d-49d2-815f-ab507deab43b" providerId="ADAL" clId="{8AD726DF-E15A-46ED-ADF7-EC56EC827D64}" dt="2024-04-25T12:17:36.363" v="9235"/>
       <pc:docMkLst>
         <pc:docMk/>
       </pc:docMkLst>
@@ -3428,8 +3428,8 @@
           </ac:spMkLst>
         </pc:spChg>
       </pc:sldChg>
-      <pc:sldChg chg="addSp delSp modSp add mod">
-        <pc:chgData name="CHAN Sean" userId="31c8acd3-9d1d-49d2-815f-ab507deab43b" providerId="ADAL" clId="{8AD726DF-E15A-46ED-ADF7-EC56EC827D64}" dt="2024-04-25T12:16:01.437" v="9230" actId="164"/>
+      <pc:sldChg chg="addSp delSp modSp add mod modAnim">
+        <pc:chgData name="CHAN Sean" userId="31c8acd3-9d1d-49d2-815f-ab507deab43b" providerId="ADAL" clId="{8AD726DF-E15A-46ED-ADF7-EC56EC827D64}" dt="2024-04-25T12:17:36.363" v="9235"/>
         <pc:sldMkLst>
           <pc:docMk/>
           <pc:sldMk cId="3703320458" sldId="280"/>
@@ -12423,13 +12423,13 @@
   <p:clrMapOvr>
     <a:masterClrMapping/>
   </p:clrMapOvr>
-  <mc:AlternateContent xmlns:mc="http://schemas.openxmlformats.org/markup-compatibility/2006">
-    <mc:Choice xmlns:p14="http://schemas.microsoft.com/office/powerpoint/2010/main" Requires="p14">
+  <mc:AlternateContent xmlns:mc="http://schemas.openxmlformats.org/markup-compatibility/2006" xmlns:p14="http://schemas.microsoft.com/office/powerpoint/2010/main">
+    <mc:Choice Requires="p14">
       <p:transition spd="med" p14:dur="700">
         <p:fade/>
       </p:transition>
     </mc:Choice>
-    <mc:Fallback>
+    <mc:Fallback xmlns="">
       <p:transition spd="med">
         <p:fade/>
       </p:transition>
@@ -13807,13 +13807,13 @@
   <p:clrMapOvr>
     <a:masterClrMapping/>
   </p:clrMapOvr>
-  <mc:AlternateContent xmlns:mc="http://schemas.openxmlformats.org/markup-compatibility/2006">
-    <mc:Choice xmlns:p14="http://schemas.microsoft.com/office/powerpoint/2010/main" Requires="p14">
+  <mc:AlternateContent xmlns:mc="http://schemas.openxmlformats.org/markup-compatibility/2006" xmlns:p14="http://schemas.microsoft.com/office/powerpoint/2010/main">
+    <mc:Choice Requires="p14">
       <p:transition spd="med" p14:dur="700">
         <p:fade/>
       </p:transition>
     </mc:Choice>
-    <mc:Fallback>
+    <mc:Fallback xmlns="">
       <p:transition spd="med">
         <p:fade/>
       </p:transition>
@@ -14289,13 +14289,13 @@
   <p:clrMapOvr>
     <a:masterClrMapping/>
   </p:clrMapOvr>
-  <mc:AlternateContent xmlns:mc="http://schemas.openxmlformats.org/markup-compatibility/2006">
-    <mc:Choice xmlns:p14="http://schemas.microsoft.com/office/powerpoint/2010/main" Requires="p14">
+  <mc:AlternateContent xmlns:mc="http://schemas.openxmlformats.org/markup-compatibility/2006" xmlns:p14="http://schemas.microsoft.com/office/powerpoint/2010/main">
+    <mc:Choice Requires="p14">
       <p:transition spd="med" p14:dur="700">
         <p:fade/>
       </p:transition>
     </mc:Choice>
-    <mc:Fallback>
+    <mc:Fallback xmlns="">
       <p:transition spd="med">
         <p:fade/>
       </p:transition>
@@ -15184,13 +15184,13 @@
   <p:clrMapOvr>
     <a:masterClrMapping/>
   </p:clrMapOvr>
-  <mc:AlternateContent xmlns:mc="http://schemas.openxmlformats.org/markup-compatibility/2006">
-    <mc:Choice xmlns:p14="http://schemas.microsoft.com/office/powerpoint/2010/main" Requires="p14">
+  <mc:AlternateContent xmlns:mc="http://schemas.openxmlformats.org/markup-compatibility/2006" xmlns:p14="http://schemas.microsoft.com/office/powerpoint/2010/main">
+    <mc:Choice Requires="p14">
       <p:transition spd="med" p14:dur="700">
         <p:fade/>
       </p:transition>
     </mc:Choice>
-    <mc:Fallback>
+    <mc:Fallback xmlns="">
       <p:transition spd="med">
         <p:fade/>
       </p:transition>
@@ -17145,13 +17145,13 @@
   <p:clrMapOvr>
     <a:masterClrMapping/>
   </p:clrMapOvr>
-  <mc:AlternateContent xmlns:mc="http://schemas.openxmlformats.org/markup-compatibility/2006">
-    <mc:Choice xmlns:p14="http://schemas.microsoft.com/office/powerpoint/2010/main" Requires="p14">
+  <mc:AlternateContent xmlns:mc="http://schemas.openxmlformats.org/markup-compatibility/2006" xmlns:p14="http://schemas.microsoft.com/office/powerpoint/2010/main">
+    <mc:Choice Requires="p14">
       <p:transition spd="med" p14:dur="700">
         <p:fade/>
       </p:transition>
     </mc:Choice>
-    <mc:Fallback>
+    <mc:Fallback xmlns="">
       <p:transition spd="med">
         <p:fade/>
       </p:transition>
@@ -17738,13 +17738,13 @@
   <p:clrMapOvr>
     <a:masterClrMapping/>
   </p:clrMapOvr>
-  <mc:AlternateContent xmlns:mc="http://schemas.openxmlformats.org/markup-compatibility/2006">
-    <mc:Choice xmlns:p14="http://schemas.microsoft.com/office/powerpoint/2010/main" Requires="p14">
+  <mc:AlternateContent xmlns:mc="http://schemas.openxmlformats.org/markup-compatibility/2006" xmlns:p14="http://schemas.microsoft.com/office/powerpoint/2010/main">
+    <mc:Choice Requires="p14">
       <p:transition spd="med" p14:dur="700">
         <p:fade/>
       </p:transition>
     </mc:Choice>
-    <mc:Fallback>
+    <mc:Fallback xmlns="">
       <p:transition spd="med">
         <p:fade/>
       </p:transition>
@@ -19354,13 +19354,13 @@
   <p:clrMapOvr>
     <a:masterClrMapping/>
   </p:clrMapOvr>
-  <mc:AlternateContent xmlns:mc="http://schemas.openxmlformats.org/markup-compatibility/2006">
-    <mc:Choice xmlns:p14="http://schemas.microsoft.com/office/powerpoint/2010/main" Requires="p14">
+  <mc:AlternateContent xmlns:mc="http://schemas.openxmlformats.org/markup-compatibility/2006" xmlns:p14="http://schemas.microsoft.com/office/powerpoint/2010/main">
+    <mc:Choice Requires="p14">
       <p:transition spd="med" p14:dur="700">
         <p:fade/>
       </p:transition>
     </mc:Choice>
-    <mc:Fallback>
+    <mc:Fallback xmlns="">
       <p:transition spd="med">
         <p:fade/>
       </p:transition>
@@ -20497,13 +20497,13 @@
   <p:clrMapOvr>
     <a:masterClrMapping/>
   </p:clrMapOvr>
-  <mc:AlternateContent xmlns:mc="http://schemas.openxmlformats.org/markup-compatibility/2006">
-    <mc:Choice xmlns:p14="http://schemas.microsoft.com/office/powerpoint/2010/main" Requires="p14">
+  <mc:AlternateContent xmlns:mc="http://schemas.openxmlformats.org/markup-compatibility/2006" xmlns:p14="http://schemas.microsoft.com/office/powerpoint/2010/main">
+    <mc:Choice Requires="p14">
       <p:transition spd="med" p14:dur="700">
         <p:fade/>
       </p:transition>
     </mc:Choice>
-    <mc:Fallback>
+    <mc:Fallback xmlns="">
       <p:transition spd="med">
         <p:fade/>
       </p:transition>
@@ -21386,13 +21386,13 @@
   <p:clrMapOvr>
     <a:masterClrMapping/>
   </p:clrMapOvr>
-  <mc:AlternateContent xmlns:mc="http://schemas.openxmlformats.org/markup-compatibility/2006">
-    <mc:Choice xmlns:p159="http://schemas.microsoft.com/office/powerpoint/2015/09/main" Requires="p159">
+  <mc:AlternateContent xmlns:mc="http://schemas.openxmlformats.org/markup-compatibility/2006" xmlns:p159="http://schemas.microsoft.com/office/powerpoint/2015/09/main">
+    <mc:Choice Requires="p159">
       <p:transition xmlns:p14="http://schemas.microsoft.com/office/powerpoint/2010/main" spd="slow" p14:dur="2000">
         <p159:morph option="byObject"/>
       </p:transition>
     </mc:Choice>
-    <mc:Fallback>
+    <mc:Fallback xmlns="">
       <p:transition spd="slow">
         <p:fade/>
       </p:transition>
@@ -22594,13 +22594,13 @@
   <p:clrMapOvr>
     <a:masterClrMapping/>
   </p:clrMapOvr>
-  <mc:AlternateContent xmlns:mc="http://schemas.openxmlformats.org/markup-compatibility/2006">
-    <mc:Choice xmlns:p14="http://schemas.microsoft.com/office/powerpoint/2010/main" Requires="p14">
+  <mc:AlternateContent xmlns:mc="http://schemas.openxmlformats.org/markup-compatibility/2006" xmlns:p14="http://schemas.microsoft.com/office/powerpoint/2010/main">
+    <mc:Choice Requires="p14">
       <p:transition spd="med" p14:dur="700">
         <p:fade/>
       </p:transition>
     </mc:Choice>
-    <mc:Fallback>
+    <mc:Fallback xmlns="">
       <p:transition spd="med">
         <p:fade/>
       </p:transition>
@@ -24007,13 +24007,13 @@
   <p:clrMapOvr>
     <a:masterClrMapping/>
   </p:clrMapOvr>
-  <mc:AlternateContent xmlns:mc="http://schemas.openxmlformats.org/markup-compatibility/2006">
-    <mc:Choice xmlns:p159="http://schemas.microsoft.com/office/powerpoint/2015/09/main" Requires="p159">
+  <mc:AlternateContent xmlns:mc="http://schemas.openxmlformats.org/markup-compatibility/2006" xmlns:p159="http://schemas.microsoft.com/office/powerpoint/2015/09/main">
+    <mc:Choice Requires="p159">
       <p:transition xmlns:p14="http://schemas.microsoft.com/office/powerpoint/2010/main" spd="slow" p14:dur="2000">
         <p159:morph option="byObject"/>
       </p:transition>
     </mc:Choice>
-    <mc:Fallback>
+    <mc:Fallback xmlns="">
       <p:transition spd="slow">
         <p:fade/>
       </p:transition>
@@ -24778,18 +24778,88 @@
   <p:clrMapOvr>
     <a:masterClrMapping/>
   </p:clrMapOvr>
-  <mc:AlternateContent xmlns:mc="http://schemas.openxmlformats.org/markup-compatibility/2006">
-    <mc:Choice xmlns:p14="http://schemas.microsoft.com/office/powerpoint/2010/main" Requires="p14">
+  <mc:AlternateContent xmlns:mc="http://schemas.openxmlformats.org/markup-compatibility/2006" xmlns:p14="http://schemas.microsoft.com/office/powerpoint/2010/main">
+    <mc:Choice Requires="p14">
       <p:transition spd="med" p14:dur="700">
         <p:fade/>
       </p:transition>
     </mc:Choice>
-    <mc:Fallback>
+    <mc:Fallback xmlns="">
       <p:transition spd="med">
         <p:fade/>
       </p:transition>
     </mc:Fallback>
   </mc:AlternateContent>
+  <p:timing>
+    <p:tnLst>
+      <p:par>
+        <p:cTn id="1" dur="indefinite" restart="never" nodeType="tmRoot">
+          <p:childTnLst>
+            <p:seq concurrent="1" nextAc="seek">
+              <p:cTn id="2" dur="indefinite" nodeType="mainSeq">
+                <p:childTnLst>
+                  <p:par>
+                    <p:cTn id="3" fill="hold">
+                      <p:stCondLst>
+                        <p:cond delay="indefinite"/>
+                      </p:stCondLst>
+                      <p:childTnLst>
+                        <p:par>
+                          <p:cTn id="4" fill="hold">
+                            <p:stCondLst>
+                              <p:cond delay="0"/>
+                            </p:stCondLst>
+                            <p:childTnLst>
+                              <p:par>
+                                <p:cTn id="5" presetID="63" presetClass="path" presetSubtype="0" accel="50000" decel="50000" fill="hold" nodeType="clickEffect">
+                                  <p:stCondLst>
+                                    <p:cond delay="0"/>
+                                  </p:stCondLst>
+                                  <p:childTnLst>
+                                    <p:animMotion origin="layout" path="M -3.125E-6 7.40741E-7 L 0.85065 -0.00671 " pathEditMode="relative" rAng="0" ptsTypes="AA">
+                                      <p:cBhvr>
+                                        <p:cTn id="6" dur="2000" fill="hold"/>
+                                        <p:tgtEl>
+                                          <p:spTgt spid="8"/>
+                                        </p:tgtEl>
+                                        <p:attrNameLst>
+                                          <p:attrName>ppt_x</p:attrName>
+                                          <p:attrName>ppt_y</p:attrName>
+                                        </p:attrNameLst>
+                                      </p:cBhvr>
+                                      <p:rCtr x="42526" y="-347"/>
+                                    </p:animMotion>
+                                  </p:childTnLst>
+                                </p:cTn>
+                              </p:par>
+                            </p:childTnLst>
+                          </p:cTn>
+                        </p:par>
+                      </p:childTnLst>
+                    </p:cTn>
+                  </p:par>
+                </p:childTnLst>
+              </p:cTn>
+              <p:prevCondLst>
+                <p:cond evt="onPrev" delay="0">
+                  <p:tgtEl>
+                    <p:sldTgt/>
+                  </p:tgtEl>
+                </p:cond>
+              </p:prevCondLst>
+              <p:nextCondLst>
+                <p:cond evt="onNext" delay="0">
+                  <p:tgtEl>
+                    <p:sldTgt/>
+                  </p:tgtEl>
+                </p:cond>
+              </p:nextCondLst>
+            </p:seq>
+          </p:childTnLst>
+        </p:cTn>
+      </p:par>
+    </p:tnLst>
+  </p:timing>
 </p:sld>
 </file>
 
@@ -25202,13 +25272,13 @@
   <p:clrMapOvr>
     <a:masterClrMapping/>
   </p:clrMapOvr>
-  <mc:AlternateContent xmlns:mc="http://schemas.openxmlformats.org/markup-compatibility/2006">
-    <mc:Choice xmlns:p14="http://schemas.microsoft.com/office/powerpoint/2010/main" Requires="p14">
+  <mc:AlternateContent xmlns:mc="http://schemas.openxmlformats.org/markup-compatibility/2006" xmlns:p14="http://schemas.microsoft.com/office/powerpoint/2010/main">
+    <mc:Choice Requires="p14">
       <p:transition spd="med" p14:dur="700">
         <p:fade/>
       </p:transition>
     </mc:Choice>
-    <mc:Fallback>
+    <mc:Fallback xmlns="">
       <p:transition spd="med">
         <p:fade/>
       </p:transition>
@@ -31098,8 +31168,8 @@
             <a:chExt cx="1783080" cy="911160"/>
           </a:xfrm>
         </p:grpSpPr>
-        <mc:AlternateContent xmlns:mc="http://schemas.openxmlformats.org/markup-compatibility/2006">
-          <mc:Choice xmlns:p14="http://schemas.microsoft.com/office/powerpoint/2010/main" Requires="p14">
+        <mc:AlternateContent xmlns:mc="http://schemas.openxmlformats.org/markup-compatibility/2006" xmlns:p14="http://schemas.microsoft.com/office/powerpoint/2010/main">
+          <mc:Choice Requires="p14">
             <p:contentPart p14:bwMode="auto" r:id="rId23">
               <p14:nvContentPartPr>
                 <p14:cNvPr id="14" name="Ink 13">
@@ -31118,7 +31188,7 @@
               </p14:xfrm>
             </p:contentPart>
           </mc:Choice>
-          <mc:Fallback>
+          <mc:Fallback xmlns="">
             <p:pic>
               <p:nvPicPr>
                 <p:cNvPr id="14" name="Ink 13">
@@ -31149,8 +31219,8 @@
             </p:pic>
           </mc:Fallback>
         </mc:AlternateContent>
-        <mc:AlternateContent xmlns:mc="http://schemas.openxmlformats.org/markup-compatibility/2006">
-          <mc:Choice xmlns:p14="http://schemas.microsoft.com/office/powerpoint/2010/main" Requires="p14">
+        <mc:AlternateContent xmlns:mc="http://schemas.openxmlformats.org/markup-compatibility/2006" xmlns:p14="http://schemas.microsoft.com/office/powerpoint/2010/main">
+          <mc:Choice Requires="p14">
             <p:contentPart p14:bwMode="auto" r:id="rId25">
               <p14:nvContentPartPr>
                 <p14:cNvPr id="15" name="Ink 14">
@@ -31169,7 +31239,7 @@
               </p14:xfrm>
             </p:contentPart>
           </mc:Choice>
-          <mc:Fallback>
+          <mc:Fallback xmlns="">
             <p:pic>
               <p:nvPicPr>
                 <p:cNvPr id="15" name="Ink 14">
@@ -32706,8 +32776,8 @@
           </a:ln>
         </p:spPr>
       </p:pic>
-      <mc:AlternateContent xmlns:mc="http://schemas.openxmlformats.org/markup-compatibility/2006">
-        <mc:Choice xmlns:p14="http://schemas.microsoft.com/office/powerpoint/2010/main" Requires="p14">
+      <mc:AlternateContent xmlns:mc="http://schemas.openxmlformats.org/markup-compatibility/2006" xmlns:p14="http://schemas.microsoft.com/office/powerpoint/2010/main">
+        <mc:Choice Requires="p14">
           <p:contentPart p14:bwMode="auto" r:id="rId3">
             <p14:nvContentPartPr>
               <p14:cNvPr id="18" name="Ink 17">
@@ -32726,7 +32796,7 @@
             </p14:xfrm>
           </p:contentPart>
         </mc:Choice>
-        <mc:Fallback>
+        <mc:Fallback xmlns="">
           <p:pic>
             <p:nvPicPr>
               <p:cNvPr id="18" name="Ink 17">
@@ -32877,8 +32947,8 @@
             <a:chExt cx="903240" cy="1986120"/>
           </a:xfrm>
         </p:grpSpPr>
-        <mc:AlternateContent xmlns:mc="http://schemas.openxmlformats.org/markup-compatibility/2006">
-          <mc:Choice xmlns:p14="http://schemas.microsoft.com/office/powerpoint/2010/main" Requires="p14">
+        <mc:AlternateContent xmlns:mc="http://schemas.openxmlformats.org/markup-compatibility/2006" xmlns:p14="http://schemas.microsoft.com/office/powerpoint/2010/main">
+          <mc:Choice Requires="p14">
             <p:contentPart p14:bwMode="auto" r:id="rId5">
               <p14:nvContentPartPr>
                 <p14:cNvPr id="6" name="Ink 5">
@@ -32897,7 +32967,7 @@
               </p14:xfrm>
             </p:contentPart>
           </mc:Choice>
-          <mc:Fallback>
+          <mc:Fallback xmlns="">
             <p:pic>
               <p:nvPicPr>
                 <p:cNvPr id="6" name="Ink 5">
@@ -32928,8 +32998,8 @@
             </p:pic>
           </mc:Fallback>
         </mc:AlternateContent>
-        <mc:AlternateContent xmlns:mc="http://schemas.openxmlformats.org/markup-compatibility/2006">
-          <mc:Choice xmlns:p14="http://schemas.microsoft.com/office/powerpoint/2010/main" Requires="p14">
+        <mc:AlternateContent xmlns:mc="http://schemas.openxmlformats.org/markup-compatibility/2006" xmlns:p14="http://schemas.microsoft.com/office/powerpoint/2010/main">
+          <mc:Choice Requires="p14">
             <p:contentPart p14:bwMode="auto" r:id="rId7">
               <p14:nvContentPartPr>
                 <p14:cNvPr id="9" name="Ink 8">
@@ -32948,7 +33018,7 @@
               </p14:xfrm>
             </p:contentPart>
           </mc:Choice>
-          <mc:Fallback>
+          <mc:Fallback xmlns="">
             <p:pic>
               <p:nvPicPr>
                 <p:cNvPr id="9" name="Ink 8">
@@ -33000,8 +33070,8 @@
             <a:chExt cx="1088128" cy="1949912"/>
           </a:xfrm>
         </p:grpSpPr>
-        <mc:AlternateContent xmlns:mc="http://schemas.openxmlformats.org/markup-compatibility/2006">
-          <mc:Choice xmlns:p14="http://schemas.microsoft.com/office/powerpoint/2010/main" Requires="p14">
+        <mc:AlternateContent xmlns:mc="http://schemas.openxmlformats.org/markup-compatibility/2006" xmlns:p14="http://schemas.microsoft.com/office/powerpoint/2010/main">
+          <mc:Choice Requires="p14">
             <p:contentPart p14:bwMode="auto" r:id="rId9">
               <p14:nvContentPartPr>
                 <p14:cNvPr id="12" name="Ink 11">
@@ -33020,7 +33090,7 @@
               </p14:xfrm>
             </p:contentPart>
           </mc:Choice>
-          <mc:Fallback>
+          <mc:Fallback xmlns="">
             <p:pic>
               <p:nvPicPr>
                 <p:cNvPr id="12" name="Ink 11">
@@ -33051,8 +33121,8 @@
             </p:pic>
           </mc:Fallback>
         </mc:AlternateContent>
-        <mc:AlternateContent xmlns:mc="http://schemas.openxmlformats.org/markup-compatibility/2006">
-          <mc:Choice xmlns:p14="http://schemas.microsoft.com/office/powerpoint/2010/main" Requires="p14">
+        <mc:AlternateContent xmlns:mc="http://schemas.openxmlformats.org/markup-compatibility/2006" xmlns:p14="http://schemas.microsoft.com/office/powerpoint/2010/main">
+          <mc:Choice Requires="p14">
             <p:contentPart p14:bwMode="auto" r:id="rId11">
               <p14:nvContentPartPr>
                 <p14:cNvPr id="43" name="Ink 42">
@@ -33071,7 +33141,7 @@
               </p14:xfrm>
             </p:contentPart>
           </mc:Choice>
-          <mc:Fallback>
+          <mc:Fallback xmlns="">
             <p:pic>
               <p:nvPicPr>
                 <p:cNvPr id="43" name="Ink 42">
@@ -33102,8 +33172,8 @@
             </p:pic>
           </mc:Fallback>
         </mc:AlternateContent>
-        <mc:AlternateContent xmlns:mc="http://schemas.openxmlformats.org/markup-compatibility/2006">
-          <mc:Choice xmlns:p14="http://schemas.microsoft.com/office/powerpoint/2010/main" Requires="p14">
+        <mc:AlternateContent xmlns:mc="http://schemas.openxmlformats.org/markup-compatibility/2006" xmlns:p14="http://schemas.microsoft.com/office/powerpoint/2010/main">
+          <mc:Choice Requires="p14">
             <p:contentPart p14:bwMode="auto" r:id="rId13">
               <p14:nvContentPartPr>
                 <p14:cNvPr id="45" name="Ink 44">
@@ -33122,7 +33192,7 @@
               </p14:xfrm>
             </p:contentPart>
           </mc:Choice>
-          <mc:Fallback>
+          <mc:Fallback xmlns="">
             <p:pic>
               <p:nvPicPr>
                 <p:cNvPr id="45" name="Ink 44">
@@ -33153,8 +33223,8 @@
             </p:pic>
           </mc:Fallback>
         </mc:AlternateContent>
-        <mc:AlternateContent xmlns:mc="http://schemas.openxmlformats.org/markup-compatibility/2006">
-          <mc:Choice xmlns:p14="http://schemas.microsoft.com/office/powerpoint/2010/main" Requires="p14">
+        <mc:AlternateContent xmlns:mc="http://schemas.openxmlformats.org/markup-compatibility/2006" xmlns:p14="http://schemas.microsoft.com/office/powerpoint/2010/main">
+          <mc:Choice Requires="p14">
             <p:contentPart p14:bwMode="auto" r:id="rId15">
               <p14:nvContentPartPr>
                 <p14:cNvPr id="46" name="Ink 45">
@@ -33173,7 +33243,7 @@
               </p14:xfrm>
             </p:contentPart>
           </mc:Choice>
-          <mc:Fallback>
+          <mc:Fallback xmlns="">
             <p:pic>
               <p:nvPicPr>
                 <p:cNvPr id="46" name="Ink 45">
@@ -33204,8 +33274,8 @@
             </p:pic>
           </mc:Fallback>
         </mc:AlternateContent>
-        <mc:AlternateContent xmlns:mc="http://schemas.openxmlformats.org/markup-compatibility/2006">
-          <mc:Choice xmlns:p14="http://schemas.microsoft.com/office/powerpoint/2010/main" Requires="p14">
+        <mc:AlternateContent xmlns:mc="http://schemas.openxmlformats.org/markup-compatibility/2006" xmlns:p14="http://schemas.microsoft.com/office/powerpoint/2010/main">
+          <mc:Choice Requires="p14">
             <p:contentPart p14:bwMode="auto" r:id="rId17">
               <p14:nvContentPartPr>
                 <p14:cNvPr id="54" name="Ink 53">
@@ -33224,7 +33294,7 @@
               </p14:xfrm>
             </p:contentPart>
           </mc:Choice>
-          <mc:Fallback>
+          <mc:Fallback xmlns="">
             <p:pic>
               <p:nvPicPr>
                 <p:cNvPr id="54" name="Ink 53">
@@ -33255,8 +33325,8 @@
             </p:pic>
           </mc:Fallback>
         </mc:AlternateContent>
-        <mc:AlternateContent xmlns:mc="http://schemas.openxmlformats.org/markup-compatibility/2006">
-          <mc:Choice xmlns:p14="http://schemas.microsoft.com/office/powerpoint/2010/main" Requires="p14">
+        <mc:AlternateContent xmlns:mc="http://schemas.openxmlformats.org/markup-compatibility/2006" xmlns:p14="http://schemas.microsoft.com/office/powerpoint/2010/main">
+          <mc:Choice Requires="p14">
             <p:contentPart p14:bwMode="auto" r:id="rId19">
               <p14:nvContentPartPr>
                 <p14:cNvPr id="55" name="Ink 54">
@@ -33275,7 +33345,7 @@
               </p14:xfrm>
             </p:contentPart>
           </mc:Choice>
-          <mc:Fallback>
+          <mc:Fallback xmlns="">
             <p:pic>
               <p:nvPicPr>
                 <p:cNvPr id="55" name="Ink 54">
@@ -33497,8 +33567,8 @@
                 <a:chExt cx="903240" cy="1986120"/>
               </a:xfrm>
             </p:grpSpPr>
-            <mc:AlternateContent xmlns:mc="http://schemas.openxmlformats.org/markup-compatibility/2006">
-              <mc:Choice xmlns:p14="http://schemas.microsoft.com/office/powerpoint/2010/main" Requires="p14">
+            <mc:AlternateContent xmlns:mc="http://schemas.openxmlformats.org/markup-compatibility/2006" xmlns:p14="http://schemas.microsoft.com/office/powerpoint/2010/main">
+              <mc:Choice Requires="p14">
                 <p:contentPart p14:bwMode="auto" r:id="rId21">
                   <p14:nvContentPartPr>
                     <p14:cNvPr id="64" name="Ink 63">
@@ -33517,7 +33587,7 @@
                   </p14:xfrm>
                 </p:contentPart>
               </mc:Choice>
-              <mc:Fallback>
+              <mc:Fallback xmlns="">
                 <p:pic>
                   <p:nvPicPr>
                     <p:cNvPr id="64" name="Ink 63">
@@ -33548,8 +33618,8 @@
                 </p:pic>
               </mc:Fallback>
             </mc:AlternateContent>
-            <mc:AlternateContent xmlns:mc="http://schemas.openxmlformats.org/markup-compatibility/2006">
-              <mc:Choice xmlns:p14="http://schemas.microsoft.com/office/powerpoint/2010/main" Requires="p14">
+            <mc:AlternateContent xmlns:mc="http://schemas.openxmlformats.org/markup-compatibility/2006" xmlns:p14="http://schemas.microsoft.com/office/powerpoint/2010/main">
+              <mc:Choice Requires="p14">
                 <p:contentPart p14:bwMode="auto" r:id="rId22">
                   <p14:nvContentPartPr>
                     <p14:cNvPr id="65" name="Ink 64">
@@ -33568,7 +33638,7 @@
                   </p14:xfrm>
                 </p:contentPart>
               </mc:Choice>
-              <mc:Fallback>
+              <mc:Fallback xmlns="">
                 <p:pic>
                   <p:nvPicPr>
                     <p:cNvPr id="65" name="Ink 64">
@@ -33620,8 +33690,8 @@
                 <a:chExt cx="1088128" cy="1949912"/>
               </a:xfrm>
             </p:grpSpPr>
-            <mc:AlternateContent xmlns:mc="http://schemas.openxmlformats.org/markup-compatibility/2006">
-              <mc:Choice xmlns:p14="http://schemas.microsoft.com/office/powerpoint/2010/main" Requires="p14">
+            <mc:AlternateContent xmlns:mc="http://schemas.openxmlformats.org/markup-compatibility/2006" xmlns:p14="http://schemas.microsoft.com/office/powerpoint/2010/main">
+              <mc:Choice Requires="p14">
                 <p:contentPart p14:bwMode="auto" r:id="rId23">
                   <p14:nvContentPartPr>
                     <p14:cNvPr id="67" name="Ink 66">
@@ -33640,7 +33710,7 @@
                   </p14:xfrm>
                 </p:contentPart>
               </mc:Choice>
-              <mc:Fallback>
+              <mc:Fallback xmlns="">
                 <p:pic>
                   <p:nvPicPr>
                     <p:cNvPr id="67" name="Ink 66">
@@ -33671,8 +33741,8 @@
                 </p:pic>
               </mc:Fallback>
             </mc:AlternateContent>
-            <mc:AlternateContent xmlns:mc="http://schemas.openxmlformats.org/markup-compatibility/2006">
-              <mc:Choice xmlns:p14="http://schemas.microsoft.com/office/powerpoint/2010/main" Requires="p14">
+            <mc:AlternateContent xmlns:mc="http://schemas.openxmlformats.org/markup-compatibility/2006" xmlns:p14="http://schemas.microsoft.com/office/powerpoint/2010/main">
+              <mc:Choice Requires="p14">
                 <p:contentPart p14:bwMode="auto" r:id="rId24">
                   <p14:nvContentPartPr>
                     <p14:cNvPr id="68" name="Ink 67">
@@ -33691,7 +33761,7 @@
                   </p14:xfrm>
                 </p:contentPart>
               </mc:Choice>
-              <mc:Fallback>
+              <mc:Fallback xmlns="">
                 <p:pic>
                   <p:nvPicPr>
                     <p:cNvPr id="68" name="Ink 67">
@@ -33722,8 +33792,8 @@
                 </p:pic>
               </mc:Fallback>
             </mc:AlternateContent>
-            <mc:AlternateContent xmlns:mc="http://schemas.openxmlformats.org/markup-compatibility/2006">
-              <mc:Choice xmlns:p14="http://schemas.microsoft.com/office/powerpoint/2010/main" Requires="p14">
+            <mc:AlternateContent xmlns:mc="http://schemas.openxmlformats.org/markup-compatibility/2006" xmlns:p14="http://schemas.microsoft.com/office/powerpoint/2010/main">
+              <mc:Choice Requires="p14">
                 <p:contentPart p14:bwMode="auto" r:id="rId25">
                   <p14:nvContentPartPr>
                     <p14:cNvPr id="69" name="Ink 68">
@@ -33742,7 +33812,7 @@
                   </p14:xfrm>
                 </p:contentPart>
               </mc:Choice>
-              <mc:Fallback>
+              <mc:Fallback xmlns="">
                 <p:pic>
                   <p:nvPicPr>
                     <p:cNvPr id="69" name="Ink 68">
@@ -33773,8 +33843,8 @@
                 </p:pic>
               </mc:Fallback>
             </mc:AlternateContent>
-            <mc:AlternateContent xmlns:mc="http://schemas.openxmlformats.org/markup-compatibility/2006">
-              <mc:Choice xmlns:p14="http://schemas.microsoft.com/office/powerpoint/2010/main" Requires="p14">
+            <mc:AlternateContent xmlns:mc="http://schemas.openxmlformats.org/markup-compatibility/2006" xmlns:p14="http://schemas.microsoft.com/office/powerpoint/2010/main">
+              <mc:Choice Requires="p14">
                 <p:contentPart p14:bwMode="auto" r:id="rId26">
                   <p14:nvContentPartPr>
                     <p14:cNvPr id="70" name="Ink 69">
@@ -33793,7 +33863,7 @@
                   </p14:xfrm>
                 </p:contentPart>
               </mc:Choice>
-              <mc:Fallback>
+              <mc:Fallback xmlns="">
                 <p:pic>
                   <p:nvPicPr>
                     <p:cNvPr id="70" name="Ink 69">
@@ -33824,8 +33894,8 @@
                 </p:pic>
               </mc:Fallback>
             </mc:AlternateContent>
-            <mc:AlternateContent xmlns:mc="http://schemas.openxmlformats.org/markup-compatibility/2006">
-              <mc:Choice xmlns:p14="http://schemas.microsoft.com/office/powerpoint/2010/main" Requires="p14">
+            <mc:AlternateContent xmlns:mc="http://schemas.openxmlformats.org/markup-compatibility/2006" xmlns:p14="http://schemas.microsoft.com/office/powerpoint/2010/main">
+              <mc:Choice Requires="p14">
                 <p:contentPart p14:bwMode="auto" r:id="rId27">
                   <p14:nvContentPartPr>
                     <p14:cNvPr id="71" name="Ink 70">
@@ -33844,7 +33914,7 @@
                   </p14:xfrm>
                 </p:contentPart>
               </mc:Choice>
-              <mc:Fallback>
+              <mc:Fallback xmlns="">
                 <p:pic>
                   <p:nvPicPr>
                     <p:cNvPr id="71" name="Ink 70">
@@ -33875,8 +33945,8 @@
                 </p:pic>
               </mc:Fallback>
             </mc:AlternateContent>
-            <mc:AlternateContent xmlns:mc="http://schemas.openxmlformats.org/markup-compatibility/2006">
-              <mc:Choice xmlns:p14="http://schemas.microsoft.com/office/powerpoint/2010/main" Requires="p14">
+            <mc:AlternateContent xmlns:mc="http://schemas.openxmlformats.org/markup-compatibility/2006" xmlns:p14="http://schemas.microsoft.com/office/powerpoint/2010/main">
+              <mc:Choice Requires="p14">
                 <p:contentPart p14:bwMode="auto" r:id="rId28">
                   <p14:nvContentPartPr>
                     <p14:cNvPr id="72" name="Ink 71">
@@ -33895,7 +33965,7 @@
                   </p14:xfrm>
                 </p:contentPart>
               </mc:Choice>
-              <mc:Fallback>
+              <mc:Fallback xmlns="">
                 <p:pic>
                   <p:nvPicPr>
                     <p:cNvPr id="72" name="Ink 71">
@@ -33968,8 +34038,8 @@
                 <a:chExt cx="903240" cy="1986120"/>
               </a:xfrm>
             </p:grpSpPr>
-            <mc:AlternateContent xmlns:mc="http://schemas.openxmlformats.org/markup-compatibility/2006">
-              <mc:Choice xmlns:p14="http://schemas.microsoft.com/office/powerpoint/2010/main" Requires="p14">
+            <mc:AlternateContent xmlns:mc="http://schemas.openxmlformats.org/markup-compatibility/2006" xmlns:p14="http://schemas.microsoft.com/office/powerpoint/2010/main">
+              <mc:Choice Requires="p14">
                 <p:contentPart p14:bwMode="auto" r:id="rId29">
                   <p14:nvContentPartPr>
                     <p14:cNvPr id="83" name="Ink 82">
@@ -33988,7 +34058,7 @@
                   </p14:xfrm>
                 </p:contentPart>
               </mc:Choice>
-              <mc:Fallback>
+              <mc:Fallback xmlns="">
                 <p:pic>
                   <p:nvPicPr>
                     <p:cNvPr id="83" name="Ink 82">
@@ -34019,8 +34089,8 @@
                 </p:pic>
               </mc:Fallback>
             </mc:AlternateContent>
-            <mc:AlternateContent xmlns:mc="http://schemas.openxmlformats.org/markup-compatibility/2006">
-              <mc:Choice xmlns:p14="http://schemas.microsoft.com/office/powerpoint/2010/main" Requires="p14">
+            <mc:AlternateContent xmlns:mc="http://schemas.openxmlformats.org/markup-compatibility/2006" xmlns:p14="http://schemas.microsoft.com/office/powerpoint/2010/main">
+              <mc:Choice Requires="p14">
                 <p:contentPart p14:bwMode="auto" r:id="rId30">
                   <p14:nvContentPartPr>
                     <p14:cNvPr id="84" name="Ink 83">
@@ -34039,7 +34109,7 @@
                   </p14:xfrm>
                 </p:contentPart>
               </mc:Choice>
-              <mc:Fallback>
+              <mc:Fallback xmlns="">
                 <p:pic>
                   <p:nvPicPr>
                     <p:cNvPr id="84" name="Ink 83">
@@ -34091,8 +34161,8 @@
                 <a:chExt cx="1088128" cy="1949912"/>
               </a:xfrm>
             </p:grpSpPr>
-            <mc:AlternateContent xmlns:mc="http://schemas.openxmlformats.org/markup-compatibility/2006">
-              <mc:Choice xmlns:p14="http://schemas.microsoft.com/office/powerpoint/2010/main" Requires="p14">
+            <mc:AlternateContent xmlns:mc="http://schemas.openxmlformats.org/markup-compatibility/2006" xmlns:p14="http://schemas.microsoft.com/office/powerpoint/2010/main">
+              <mc:Choice Requires="p14">
                 <p:contentPart p14:bwMode="auto" r:id="rId31">
                   <p14:nvContentPartPr>
                     <p14:cNvPr id="77" name="Ink 76">
@@ -34111,7 +34181,7 @@
                   </p14:xfrm>
                 </p:contentPart>
               </mc:Choice>
-              <mc:Fallback>
+              <mc:Fallback xmlns="">
                 <p:pic>
                   <p:nvPicPr>
                     <p:cNvPr id="77" name="Ink 76">
@@ -34142,8 +34212,8 @@
                 </p:pic>
               </mc:Fallback>
             </mc:AlternateContent>
-            <mc:AlternateContent xmlns:mc="http://schemas.openxmlformats.org/markup-compatibility/2006">
-              <mc:Choice xmlns:p14="http://schemas.microsoft.com/office/powerpoint/2010/main" Requires="p14">
+            <mc:AlternateContent xmlns:mc="http://schemas.openxmlformats.org/markup-compatibility/2006" xmlns:p14="http://schemas.microsoft.com/office/powerpoint/2010/main">
+              <mc:Choice Requires="p14">
                 <p:contentPart p14:bwMode="auto" r:id="rId32">
                   <p14:nvContentPartPr>
                     <p14:cNvPr id="78" name="Ink 77">
@@ -34162,7 +34232,7 @@
                   </p14:xfrm>
                 </p:contentPart>
               </mc:Choice>
-              <mc:Fallback>
+              <mc:Fallback xmlns="">
                 <p:pic>
                   <p:nvPicPr>
                     <p:cNvPr id="78" name="Ink 77">
@@ -34193,8 +34263,8 @@
                 </p:pic>
               </mc:Fallback>
             </mc:AlternateContent>
-            <mc:AlternateContent xmlns:mc="http://schemas.openxmlformats.org/markup-compatibility/2006">
-              <mc:Choice xmlns:p14="http://schemas.microsoft.com/office/powerpoint/2010/main" Requires="p14">
+            <mc:AlternateContent xmlns:mc="http://schemas.openxmlformats.org/markup-compatibility/2006" xmlns:p14="http://schemas.microsoft.com/office/powerpoint/2010/main">
+              <mc:Choice Requires="p14">
                 <p:contentPart p14:bwMode="auto" r:id="rId33">
                   <p14:nvContentPartPr>
                     <p14:cNvPr id="79" name="Ink 78">
@@ -34213,7 +34283,7 @@
                   </p14:xfrm>
                 </p:contentPart>
               </mc:Choice>
-              <mc:Fallback>
+              <mc:Fallback xmlns="">
                 <p:pic>
                   <p:nvPicPr>
                     <p:cNvPr id="79" name="Ink 78">
@@ -34244,8 +34314,8 @@
                 </p:pic>
               </mc:Fallback>
             </mc:AlternateContent>
-            <mc:AlternateContent xmlns:mc="http://schemas.openxmlformats.org/markup-compatibility/2006">
-              <mc:Choice xmlns:p14="http://schemas.microsoft.com/office/powerpoint/2010/main" Requires="p14">
+            <mc:AlternateContent xmlns:mc="http://schemas.openxmlformats.org/markup-compatibility/2006" xmlns:p14="http://schemas.microsoft.com/office/powerpoint/2010/main">
+              <mc:Choice Requires="p14">
                 <p:contentPart p14:bwMode="auto" r:id="rId34">
                   <p14:nvContentPartPr>
                     <p14:cNvPr id="80" name="Ink 79">
@@ -34264,7 +34334,7 @@
                   </p14:xfrm>
                 </p:contentPart>
               </mc:Choice>
-              <mc:Fallback>
+              <mc:Fallback xmlns="">
                 <p:pic>
                   <p:nvPicPr>
                     <p:cNvPr id="80" name="Ink 79">
@@ -34295,8 +34365,8 @@
                 </p:pic>
               </mc:Fallback>
             </mc:AlternateContent>
-            <mc:AlternateContent xmlns:mc="http://schemas.openxmlformats.org/markup-compatibility/2006">
-              <mc:Choice xmlns:p14="http://schemas.microsoft.com/office/powerpoint/2010/main" Requires="p14">
+            <mc:AlternateContent xmlns:mc="http://schemas.openxmlformats.org/markup-compatibility/2006" xmlns:p14="http://schemas.microsoft.com/office/powerpoint/2010/main">
+              <mc:Choice Requires="p14">
                 <p:contentPart p14:bwMode="auto" r:id="rId35">
                   <p14:nvContentPartPr>
                     <p14:cNvPr id="81" name="Ink 80">
@@ -34315,7 +34385,7 @@
                   </p14:xfrm>
                 </p:contentPart>
               </mc:Choice>
-              <mc:Fallback>
+              <mc:Fallback xmlns="">
                 <p:pic>
                   <p:nvPicPr>
                     <p:cNvPr id="81" name="Ink 80">
@@ -34346,8 +34416,8 @@
                 </p:pic>
               </mc:Fallback>
             </mc:AlternateContent>
-            <mc:AlternateContent xmlns:mc="http://schemas.openxmlformats.org/markup-compatibility/2006">
-              <mc:Choice xmlns:p14="http://schemas.microsoft.com/office/powerpoint/2010/main" Requires="p14">
+            <mc:AlternateContent xmlns:mc="http://schemas.openxmlformats.org/markup-compatibility/2006" xmlns:p14="http://schemas.microsoft.com/office/powerpoint/2010/main">
+              <mc:Choice Requires="p14">
                 <p:contentPart p14:bwMode="auto" r:id="rId36">
                   <p14:nvContentPartPr>
                     <p14:cNvPr id="82" name="Ink 81">
@@ -34366,7 +34436,7 @@
                   </p14:xfrm>
                 </p:contentPart>
               </mc:Choice>
-              <mc:Fallback>
+              <mc:Fallback xmlns="">
                 <p:pic>
                   <p:nvPicPr>
                     <p:cNvPr id="82" name="Ink 81">
@@ -34439,8 +34509,8 @@
                 <a:chExt cx="903240" cy="1986120"/>
               </a:xfrm>
             </p:grpSpPr>
-            <mc:AlternateContent xmlns:mc="http://schemas.openxmlformats.org/markup-compatibility/2006">
-              <mc:Choice xmlns:p14="http://schemas.microsoft.com/office/powerpoint/2010/main" Requires="p14">
+            <mc:AlternateContent xmlns:mc="http://schemas.openxmlformats.org/markup-compatibility/2006" xmlns:p14="http://schemas.microsoft.com/office/powerpoint/2010/main">
+              <mc:Choice Requires="p14">
                 <p:contentPart p14:bwMode="auto" r:id="rId37">
                   <p14:nvContentPartPr>
                     <p14:cNvPr id="94" name="Ink 93">
@@ -34459,7 +34529,7 @@
                   </p14:xfrm>
                 </p:contentPart>
               </mc:Choice>
-              <mc:Fallback>
+              <mc:Fallback xmlns="">
                 <p:pic>
                   <p:nvPicPr>
                     <p:cNvPr id="94" name="Ink 93">
@@ -34490,8 +34560,8 @@
                 </p:pic>
               </mc:Fallback>
             </mc:AlternateContent>
-            <mc:AlternateContent xmlns:mc="http://schemas.openxmlformats.org/markup-compatibility/2006">
-              <mc:Choice xmlns:p14="http://schemas.microsoft.com/office/powerpoint/2010/main" Requires="p14">
+            <mc:AlternateContent xmlns:mc="http://schemas.openxmlformats.org/markup-compatibility/2006" xmlns:p14="http://schemas.microsoft.com/office/powerpoint/2010/main">
+              <mc:Choice Requires="p14">
                 <p:contentPart p14:bwMode="auto" r:id="rId38">
                   <p14:nvContentPartPr>
                     <p14:cNvPr id="95" name="Ink 94">
@@ -34510,7 +34580,7 @@
                   </p14:xfrm>
                 </p:contentPart>
               </mc:Choice>
-              <mc:Fallback>
+              <mc:Fallback xmlns="">
                 <p:pic>
                   <p:nvPicPr>
                     <p:cNvPr id="95" name="Ink 94">
@@ -34562,8 +34632,8 @@
                 <a:chExt cx="1088128" cy="1949912"/>
               </a:xfrm>
             </p:grpSpPr>
-            <mc:AlternateContent xmlns:mc="http://schemas.openxmlformats.org/markup-compatibility/2006">
-              <mc:Choice xmlns:p14="http://schemas.microsoft.com/office/powerpoint/2010/main" Requires="p14">
+            <mc:AlternateContent xmlns:mc="http://schemas.openxmlformats.org/markup-compatibility/2006" xmlns:p14="http://schemas.microsoft.com/office/powerpoint/2010/main">
+              <mc:Choice Requires="p14">
                 <p:contentPart p14:bwMode="auto" r:id="rId39">
                   <p14:nvContentPartPr>
                     <p14:cNvPr id="88" name="Ink 87">
@@ -34582,7 +34652,7 @@
                   </p14:xfrm>
                 </p:contentPart>
               </mc:Choice>
-              <mc:Fallback>
+              <mc:Fallback xmlns="">
                 <p:pic>
                   <p:nvPicPr>
                     <p:cNvPr id="88" name="Ink 87">
@@ -34613,8 +34683,8 @@
                 </p:pic>
               </mc:Fallback>
             </mc:AlternateContent>
-            <mc:AlternateContent xmlns:mc="http://schemas.openxmlformats.org/markup-compatibility/2006">
-              <mc:Choice xmlns:p14="http://schemas.microsoft.com/office/powerpoint/2010/main" Requires="p14">
+            <mc:AlternateContent xmlns:mc="http://schemas.openxmlformats.org/markup-compatibility/2006" xmlns:p14="http://schemas.microsoft.com/office/powerpoint/2010/main">
+              <mc:Choice Requires="p14">
                 <p:contentPart p14:bwMode="auto" r:id="rId40">
                   <p14:nvContentPartPr>
                     <p14:cNvPr id="89" name="Ink 88">
@@ -34633,7 +34703,7 @@
                   </p14:xfrm>
                 </p:contentPart>
               </mc:Choice>
-              <mc:Fallback>
+              <mc:Fallback xmlns="">
                 <p:pic>
                   <p:nvPicPr>
                     <p:cNvPr id="89" name="Ink 88">
@@ -34664,8 +34734,8 @@
                 </p:pic>
               </mc:Fallback>
             </mc:AlternateContent>
-            <mc:AlternateContent xmlns:mc="http://schemas.openxmlformats.org/markup-compatibility/2006">
-              <mc:Choice xmlns:p14="http://schemas.microsoft.com/office/powerpoint/2010/main" Requires="p14">
+            <mc:AlternateContent xmlns:mc="http://schemas.openxmlformats.org/markup-compatibility/2006" xmlns:p14="http://schemas.microsoft.com/office/powerpoint/2010/main">
+              <mc:Choice Requires="p14">
                 <p:contentPart p14:bwMode="auto" r:id="rId41">
                   <p14:nvContentPartPr>
                     <p14:cNvPr id="90" name="Ink 89">
@@ -34684,7 +34754,7 @@
                   </p14:xfrm>
                 </p:contentPart>
               </mc:Choice>
-              <mc:Fallback>
+              <mc:Fallback xmlns="">
                 <p:pic>
                   <p:nvPicPr>
                     <p:cNvPr id="90" name="Ink 89">
@@ -34715,8 +34785,8 @@
                 </p:pic>
               </mc:Fallback>
             </mc:AlternateContent>
-            <mc:AlternateContent xmlns:mc="http://schemas.openxmlformats.org/markup-compatibility/2006">
-              <mc:Choice xmlns:p14="http://schemas.microsoft.com/office/powerpoint/2010/main" Requires="p14">
+            <mc:AlternateContent xmlns:mc="http://schemas.openxmlformats.org/markup-compatibility/2006" xmlns:p14="http://schemas.microsoft.com/office/powerpoint/2010/main">
+              <mc:Choice Requires="p14">
                 <p:contentPart p14:bwMode="auto" r:id="rId42">
                   <p14:nvContentPartPr>
                     <p14:cNvPr id="91" name="Ink 90">
@@ -34735,7 +34805,7 @@
                   </p14:xfrm>
                 </p:contentPart>
               </mc:Choice>
-              <mc:Fallback>
+              <mc:Fallback xmlns="">
                 <p:pic>
                   <p:nvPicPr>
                     <p:cNvPr id="91" name="Ink 90">
@@ -34766,8 +34836,8 @@
                 </p:pic>
               </mc:Fallback>
             </mc:AlternateContent>
-            <mc:AlternateContent xmlns:mc="http://schemas.openxmlformats.org/markup-compatibility/2006">
-              <mc:Choice xmlns:p14="http://schemas.microsoft.com/office/powerpoint/2010/main" Requires="p14">
+            <mc:AlternateContent xmlns:mc="http://schemas.openxmlformats.org/markup-compatibility/2006" xmlns:p14="http://schemas.microsoft.com/office/powerpoint/2010/main">
+              <mc:Choice Requires="p14">
                 <p:contentPart p14:bwMode="auto" r:id="rId43">
                   <p14:nvContentPartPr>
                     <p14:cNvPr id="92" name="Ink 91">
@@ -34786,7 +34856,7 @@
                   </p14:xfrm>
                 </p:contentPart>
               </mc:Choice>
-              <mc:Fallback>
+              <mc:Fallback xmlns="">
                 <p:pic>
                   <p:nvPicPr>
                     <p:cNvPr id="92" name="Ink 91">
@@ -34817,8 +34887,8 @@
                 </p:pic>
               </mc:Fallback>
             </mc:AlternateContent>
-            <mc:AlternateContent xmlns:mc="http://schemas.openxmlformats.org/markup-compatibility/2006">
-              <mc:Choice xmlns:p14="http://schemas.microsoft.com/office/powerpoint/2010/main" Requires="p14">
+            <mc:AlternateContent xmlns:mc="http://schemas.openxmlformats.org/markup-compatibility/2006" xmlns:p14="http://schemas.microsoft.com/office/powerpoint/2010/main">
+              <mc:Choice Requires="p14">
                 <p:contentPart p14:bwMode="auto" r:id="rId44">
                   <p14:nvContentPartPr>
                     <p14:cNvPr id="93" name="Ink 92">
@@ -34837,7 +34907,7 @@
                   </p14:xfrm>
                 </p:contentPart>
               </mc:Choice>
-              <mc:Fallback>
+              <mc:Fallback xmlns="">
                 <p:pic>
                   <p:nvPicPr>
                     <p:cNvPr id="93" name="Ink 92">
@@ -37454,13 +37524,13 @@
   <p:clrMapOvr>
     <a:masterClrMapping/>
   </p:clrMapOvr>
-  <mc:AlternateContent xmlns:mc="http://schemas.openxmlformats.org/markup-compatibility/2006">
-    <mc:Choice xmlns:p159="http://schemas.microsoft.com/office/powerpoint/2015/09/main" Requires="p159">
+  <mc:AlternateContent xmlns:mc="http://schemas.openxmlformats.org/markup-compatibility/2006" xmlns:p159="http://schemas.microsoft.com/office/powerpoint/2015/09/main">
+    <mc:Choice Requires="p159">
       <p:transition xmlns:p14="http://schemas.microsoft.com/office/powerpoint/2010/main" spd="slow" p14:dur="2000">
         <p159:morph option="byObject"/>
       </p:transition>
     </mc:Choice>
-    <mc:Fallback>
+    <mc:Fallback xmlns="">
       <p:transition spd="slow">
         <p:fade/>
       </p:transition>
